--- a/shiftw/lab/lab2/实验安排-2024(提交要求).pptx
+++ b/shiftw/lab/lab2/实验安排-2024(提交要求).pptx
@@ -1,22 +1,25 @@
 
 <file path=ppt/presentation.xml><?xml version="1.0" encoding="utf-8"?>
-<p:presentation xmlns:a="http://schemas.openxmlformats.org/drawingml/2006/main" xmlns:r="http://schemas.openxmlformats.org/officeDocument/2006/relationships" xmlns:p="http://schemas.openxmlformats.org/presentationml/2006/main" saveSubsetFonts="1" autoCompressPictures="0">
+<p:presentation xmlns:a="http://schemas.openxmlformats.org/drawingml/2006/main" xmlns:r="http://schemas.openxmlformats.org/officeDocument/2006/relationships" xmlns:p="http://schemas.openxmlformats.org/presentationml/2006/main" autoCompressPictures="0">
   <p:sldMasterIdLst>
-    <p:sldMasterId id="2147483660" r:id="rId1"/>
+    <p:sldMasterId id="2147483648" r:id="rId1"/>
   </p:sldMasterIdLst>
   <p:notesMasterIdLst>
-    <p:notesMasterId r:id="rId8"/>
+    <p:notesMasterId r:id="rId9"/>
   </p:notesMasterIdLst>
   <p:sldIdLst>
-    <p:sldId id="256" r:id="rId2"/>
-    <p:sldId id="257" r:id="rId3"/>
-    <p:sldId id="259" r:id="rId4"/>
-    <p:sldId id="260" r:id="rId5"/>
-    <p:sldId id="261" r:id="rId6"/>
-    <p:sldId id="258" r:id="rId7"/>
+    <p:sldId id="256" r:id="rId3"/>
+    <p:sldId id="257" r:id="rId4"/>
+    <p:sldId id="259" r:id="rId5"/>
+    <p:sldId id="260" r:id="rId6"/>
+    <p:sldId id="261" r:id="rId7"/>
+    <p:sldId id="258" r:id="rId8"/>
   </p:sldIdLst>
   <p:sldSz cx="9144000" cy="6858000" type="screen4x3"/>
   <p:notesSz cx="6858000" cy="9144000"/>
+  <p:custDataLst>
+    <p:tags r:id="rId13"/>
+  </p:custDataLst>
   <p:defaultTextStyle>
     <a:defPPr>
       <a:defRPr lang="en-US"/>
@@ -112,11 +115,6 @@
       </a:defRPr>
     </a:lvl9pPr>
   </p:defaultTextStyle>
-  <p:extLst>
-    <p:ext uri="{EFAFB233-063F-42B5-8137-9DF3F51BA10A}">
-      <p15:sldGuideLst xmlns:p15="http://schemas.microsoft.com/office/powerpoint/2012/main"/>
-    </p:ext>
-  </p:extLst>
 </p:presentation>
 </file>
 
@@ -202,7 +200,6 @@
           <a:p>
             <a:fld id="{7C816934-277D-9D43-A70F-27F9207FB8EB}" type="datetimeFigureOut">
               <a:rPr lang="en-US" smtClean="0"/>
-              <a:t>6/6/2024</a:t>
             </a:fld>
             <a:endParaRPr lang="en-US"/>
           </a:p>
@@ -269,6 +266,7 @@
               <a:rPr lang="en-US"/>
               <a:t>Click to edit Master text styles</a:t>
             </a:r>
+            <a:endParaRPr lang="en-US"/>
           </a:p>
           <a:p>
             <a:pPr lvl="1"/>
@@ -276,6 +274,7 @@
               <a:rPr lang="en-US"/>
               <a:t>Second level</a:t>
             </a:r>
+            <a:endParaRPr lang="en-US"/>
           </a:p>
           <a:p>
             <a:pPr lvl="2"/>
@@ -283,6 +282,7 @@
               <a:rPr lang="en-US"/>
               <a:t>Third level</a:t>
             </a:r>
+            <a:endParaRPr lang="en-US"/>
           </a:p>
           <a:p>
             <a:pPr lvl="3"/>
@@ -290,6 +290,7 @@
               <a:rPr lang="en-US"/>
               <a:t>Fourth level</a:t>
             </a:r>
+            <a:endParaRPr lang="en-US"/>
           </a:p>
           <a:p>
             <a:pPr lvl="4"/>
@@ -297,6 +298,7 @@
               <a:rPr lang="en-US"/>
               <a:t>Fifth level</a:t>
             </a:r>
+            <a:endParaRPr lang="en-US"/>
           </a:p>
         </p:txBody>
       </p:sp>
@@ -360,18 +362,12 @@
           <a:p>
             <a:fld id="{A06A1B5F-99C9-E143-9184-FE09E37C8C73}" type="slidenum">
               <a:rPr lang="en-US" smtClean="0"/>
-              <a:t>‹#›</a:t>
             </a:fld>
             <a:endParaRPr lang="en-US"/>
           </a:p>
         </p:txBody>
       </p:sp>
     </p:spTree>
-    <p:extLst>
-      <p:ext uri="{BB962C8B-B14F-4D97-AF65-F5344CB8AC3E}">
-        <p14:creationId xmlns:p14="http://schemas.microsoft.com/office/powerpoint/2010/main" val="1760247822"/>
-      </p:ext>
-    </p:extLst>
   </p:cSld>
   <p:clrMap bg1="lt1" tx1="dk1" bg2="lt2" tx2="dk2" accent1="accent1" accent2="accent2" accent3="accent3" accent4="accent4" accent5="accent5" accent6="accent6" hlink="hlink" folHlink="folHlink"/>
   <p:notesStyle>
@@ -600,7 +596,6 @@
           <a:p>
             <a:fld id="{7E062F8C-2770-8945-85DB-C80B807277D6}" type="datetimeFigureOut">
               <a:rPr lang="en-US" smtClean="0"/>
-              <a:t>6/6/2024</a:t>
             </a:fld>
             <a:endParaRPr lang="en-US"/>
           </a:p>
@@ -642,7 +637,6 @@
           <a:p>
             <a:fld id="{1F884E2D-4FFC-5E49-8FE2-7CF58D472743}" type="slidenum">
               <a:rPr lang="en-US" smtClean="0"/>
-              <a:t>‹#›</a:t>
             </a:fld>
             <a:endParaRPr lang="en-US"/>
           </a:p>
@@ -716,6 +710,7 @@
               <a:rPr lang="en-US"/>
               <a:t>Click to edit Master text styles</a:t>
             </a:r>
+            <a:endParaRPr lang="en-US"/>
           </a:p>
           <a:p>
             <a:pPr lvl="1"/>
@@ -723,6 +718,7 @@
               <a:rPr lang="en-US"/>
               <a:t>Second level</a:t>
             </a:r>
+            <a:endParaRPr lang="en-US"/>
           </a:p>
           <a:p>
             <a:pPr lvl="2"/>
@@ -730,6 +726,7 @@
               <a:rPr lang="en-US"/>
               <a:t>Third level</a:t>
             </a:r>
+            <a:endParaRPr lang="en-US"/>
           </a:p>
           <a:p>
             <a:pPr lvl="3"/>
@@ -737,6 +734,7 @@
               <a:rPr lang="en-US"/>
               <a:t>Fourth level</a:t>
             </a:r>
+            <a:endParaRPr lang="en-US"/>
           </a:p>
           <a:p>
             <a:pPr lvl="4"/>
@@ -765,7 +763,6 @@
           <a:p>
             <a:fld id="{7E062F8C-2770-8945-85DB-C80B807277D6}" type="datetimeFigureOut">
               <a:rPr lang="en-US" smtClean="0"/>
-              <a:t>6/6/2024</a:t>
             </a:fld>
             <a:endParaRPr lang="en-US"/>
           </a:p>
@@ -807,7 +804,6 @@
           <a:p>
             <a:fld id="{1F884E2D-4FFC-5E49-8FE2-7CF58D472743}" type="slidenum">
               <a:rPr lang="en-US" smtClean="0"/>
-              <a:t>‹#›</a:t>
             </a:fld>
             <a:endParaRPr lang="en-US"/>
           </a:p>
@@ -891,6 +887,7 @@
               <a:rPr lang="en-US"/>
               <a:t>Click to edit Master text styles</a:t>
             </a:r>
+            <a:endParaRPr lang="en-US"/>
           </a:p>
           <a:p>
             <a:pPr lvl="1"/>
@@ -898,6 +895,7 @@
               <a:rPr lang="en-US"/>
               <a:t>Second level</a:t>
             </a:r>
+            <a:endParaRPr lang="en-US"/>
           </a:p>
           <a:p>
             <a:pPr lvl="2"/>
@@ -905,6 +903,7 @@
               <a:rPr lang="en-US"/>
               <a:t>Third level</a:t>
             </a:r>
+            <a:endParaRPr lang="en-US"/>
           </a:p>
           <a:p>
             <a:pPr lvl="3"/>
@@ -912,6 +911,7 @@
               <a:rPr lang="en-US"/>
               <a:t>Fourth level</a:t>
             </a:r>
+            <a:endParaRPr lang="en-US"/>
           </a:p>
           <a:p>
             <a:pPr lvl="4"/>
@@ -940,7 +940,6 @@
           <a:p>
             <a:fld id="{7E062F8C-2770-8945-85DB-C80B807277D6}" type="datetimeFigureOut">
               <a:rPr lang="en-US" smtClean="0"/>
-              <a:t>6/6/2024</a:t>
             </a:fld>
             <a:endParaRPr lang="en-US"/>
           </a:p>
@@ -982,7 +981,6 @@
           <a:p>
             <a:fld id="{1F884E2D-4FFC-5E49-8FE2-7CF58D472743}" type="slidenum">
               <a:rPr lang="en-US" smtClean="0"/>
-              <a:t>‹#›</a:t>
             </a:fld>
             <a:endParaRPr lang="en-US"/>
           </a:p>
@@ -1056,6 +1054,7 @@
               <a:rPr lang="en-US"/>
               <a:t>Click to edit Master text styles</a:t>
             </a:r>
+            <a:endParaRPr lang="en-US"/>
           </a:p>
           <a:p>
             <a:pPr lvl="1"/>
@@ -1063,6 +1062,7 @@
               <a:rPr lang="en-US"/>
               <a:t>Second level</a:t>
             </a:r>
+            <a:endParaRPr lang="en-US"/>
           </a:p>
           <a:p>
             <a:pPr lvl="2"/>
@@ -1070,6 +1070,7 @@
               <a:rPr lang="en-US"/>
               <a:t>Third level</a:t>
             </a:r>
+            <a:endParaRPr lang="en-US"/>
           </a:p>
           <a:p>
             <a:pPr lvl="3"/>
@@ -1077,6 +1078,7 @@
               <a:rPr lang="en-US"/>
               <a:t>Fourth level</a:t>
             </a:r>
+            <a:endParaRPr lang="en-US"/>
           </a:p>
           <a:p>
             <a:pPr lvl="4"/>
@@ -1105,7 +1107,6 @@
           <a:p>
             <a:fld id="{7E062F8C-2770-8945-85DB-C80B807277D6}" type="datetimeFigureOut">
               <a:rPr lang="en-US" smtClean="0"/>
-              <a:t>6/6/2024</a:t>
             </a:fld>
             <a:endParaRPr lang="en-US"/>
           </a:p>
@@ -1147,7 +1148,6 @@
           <a:p>
             <a:fld id="{1F884E2D-4FFC-5E49-8FE2-7CF58D472743}" type="slidenum">
               <a:rPr lang="en-US" smtClean="0"/>
-              <a:t>‹#›</a:t>
             </a:fld>
             <a:endParaRPr lang="en-US"/>
           </a:p>
@@ -1324,6 +1324,7 @@
               <a:rPr lang="en-US"/>
               <a:t>Click to edit Master text styles</a:t>
             </a:r>
+            <a:endParaRPr lang="en-US"/>
           </a:p>
         </p:txBody>
       </p:sp>
@@ -1344,7 +1345,6 @@
           <a:p>
             <a:fld id="{7E062F8C-2770-8945-85DB-C80B807277D6}" type="datetimeFigureOut">
               <a:rPr lang="en-US" smtClean="0"/>
-              <a:t>6/6/2024</a:t>
             </a:fld>
             <a:endParaRPr lang="en-US"/>
           </a:p>
@@ -1386,7 +1386,6 @@
           <a:p>
             <a:fld id="{1F884E2D-4FFC-5E49-8FE2-7CF58D472743}" type="slidenum">
               <a:rPr lang="en-US" smtClean="0"/>
-              <a:t>‹#›</a:t>
             </a:fld>
             <a:endParaRPr lang="en-US"/>
           </a:p>
@@ -1465,6 +1464,7 @@
               <a:rPr lang="en-US"/>
               <a:t>Click to edit Master text styles</a:t>
             </a:r>
+            <a:endParaRPr lang="en-US"/>
           </a:p>
           <a:p>
             <a:pPr lvl="1"/>
@@ -1472,6 +1472,7 @@
               <a:rPr lang="en-US"/>
               <a:t>Second level</a:t>
             </a:r>
+            <a:endParaRPr lang="en-US"/>
           </a:p>
           <a:p>
             <a:pPr lvl="2"/>
@@ -1479,6 +1480,7 @@
               <a:rPr lang="en-US"/>
               <a:t>Third level</a:t>
             </a:r>
+            <a:endParaRPr lang="en-US"/>
           </a:p>
           <a:p>
             <a:pPr lvl="3"/>
@@ -1486,6 +1488,7 @@
               <a:rPr lang="en-US"/>
               <a:t>Fourth level</a:t>
             </a:r>
+            <a:endParaRPr lang="en-US"/>
           </a:p>
           <a:p>
             <a:pPr lvl="4"/>
@@ -1522,6 +1525,7 @@
               <a:rPr lang="en-US"/>
               <a:t>Click to edit Master text styles</a:t>
             </a:r>
+            <a:endParaRPr lang="en-US"/>
           </a:p>
           <a:p>
             <a:pPr lvl="1"/>
@@ -1529,6 +1533,7 @@
               <a:rPr lang="en-US"/>
               <a:t>Second level</a:t>
             </a:r>
+            <a:endParaRPr lang="en-US"/>
           </a:p>
           <a:p>
             <a:pPr lvl="2"/>
@@ -1536,6 +1541,7 @@
               <a:rPr lang="en-US"/>
               <a:t>Third level</a:t>
             </a:r>
+            <a:endParaRPr lang="en-US"/>
           </a:p>
           <a:p>
             <a:pPr lvl="3"/>
@@ -1543,6 +1549,7 @@
               <a:rPr lang="en-US"/>
               <a:t>Fourth level</a:t>
             </a:r>
+            <a:endParaRPr lang="en-US"/>
           </a:p>
           <a:p>
             <a:pPr lvl="4"/>
@@ -1571,7 +1578,6 @@
           <a:p>
             <a:fld id="{7E062F8C-2770-8945-85DB-C80B807277D6}" type="datetimeFigureOut">
               <a:rPr lang="en-US" smtClean="0"/>
-              <a:t>6/6/2024</a:t>
             </a:fld>
             <a:endParaRPr lang="en-US"/>
           </a:p>
@@ -1613,7 +1619,6 @@
           <a:p>
             <a:fld id="{1F884E2D-4FFC-5E49-8FE2-7CF58D472743}" type="slidenum">
               <a:rPr lang="en-US" smtClean="0"/>
-              <a:t>‹#›</a:t>
             </a:fld>
             <a:endParaRPr lang="en-US"/>
           </a:p>
@@ -1734,6 +1739,7 @@
               <a:rPr lang="en-US"/>
               <a:t>Click to edit Master text styles</a:t>
             </a:r>
+            <a:endParaRPr lang="en-US"/>
           </a:p>
         </p:txBody>
       </p:sp>
@@ -1762,6 +1768,7 @@
               <a:rPr lang="en-US"/>
               <a:t>Click to edit Master text styles</a:t>
             </a:r>
+            <a:endParaRPr lang="en-US"/>
           </a:p>
           <a:p>
             <a:pPr lvl="1"/>
@@ -1769,6 +1776,7 @@
               <a:rPr lang="en-US"/>
               <a:t>Second level</a:t>
             </a:r>
+            <a:endParaRPr lang="en-US"/>
           </a:p>
           <a:p>
             <a:pPr lvl="2"/>
@@ -1776,6 +1784,7 @@
               <a:rPr lang="en-US"/>
               <a:t>Third level</a:t>
             </a:r>
+            <a:endParaRPr lang="en-US"/>
           </a:p>
           <a:p>
             <a:pPr lvl="3"/>
@@ -1783,6 +1792,7 @@
               <a:rPr lang="en-US"/>
               <a:t>Fourth level</a:t>
             </a:r>
+            <a:endParaRPr lang="en-US"/>
           </a:p>
           <a:p>
             <a:pPr lvl="4"/>
@@ -1856,6 +1866,7 @@
               <a:rPr lang="en-US"/>
               <a:t>Click to edit Master text styles</a:t>
             </a:r>
+            <a:endParaRPr lang="en-US"/>
           </a:p>
         </p:txBody>
       </p:sp>
@@ -1884,6 +1895,7 @@
               <a:rPr lang="en-US"/>
               <a:t>Click to edit Master text styles</a:t>
             </a:r>
+            <a:endParaRPr lang="en-US"/>
           </a:p>
           <a:p>
             <a:pPr lvl="1"/>
@@ -1891,6 +1903,7 @@
               <a:rPr lang="en-US"/>
               <a:t>Second level</a:t>
             </a:r>
+            <a:endParaRPr lang="en-US"/>
           </a:p>
           <a:p>
             <a:pPr lvl="2"/>
@@ -1898,6 +1911,7 @@
               <a:rPr lang="en-US"/>
               <a:t>Third level</a:t>
             </a:r>
+            <a:endParaRPr lang="en-US"/>
           </a:p>
           <a:p>
             <a:pPr lvl="3"/>
@@ -1905,6 +1919,7 @@
               <a:rPr lang="en-US"/>
               <a:t>Fourth level</a:t>
             </a:r>
+            <a:endParaRPr lang="en-US"/>
           </a:p>
           <a:p>
             <a:pPr lvl="4"/>
@@ -1933,7 +1948,6 @@
           <a:p>
             <a:fld id="{7E062F8C-2770-8945-85DB-C80B807277D6}" type="datetimeFigureOut">
               <a:rPr lang="en-US" smtClean="0"/>
-              <a:t>6/6/2024</a:t>
             </a:fld>
             <a:endParaRPr lang="en-US"/>
           </a:p>
@@ -1975,7 +1989,6 @@
           <a:p>
             <a:fld id="{1F884E2D-4FFC-5E49-8FE2-7CF58D472743}" type="slidenum">
               <a:rPr lang="en-US" smtClean="0"/>
-              <a:t>‹#›</a:t>
             </a:fld>
             <a:endParaRPr lang="en-US"/>
           </a:p>
@@ -2046,7 +2059,6 @@
           <a:p>
             <a:fld id="{7E062F8C-2770-8945-85DB-C80B807277D6}" type="datetimeFigureOut">
               <a:rPr lang="en-US" smtClean="0"/>
-              <a:t>6/6/2024</a:t>
             </a:fld>
             <a:endParaRPr lang="en-US"/>
           </a:p>
@@ -2088,7 +2100,6 @@
           <a:p>
             <a:fld id="{1F884E2D-4FFC-5E49-8FE2-7CF58D472743}" type="slidenum">
               <a:rPr lang="en-US" smtClean="0"/>
-              <a:t>‹#›</a:t>
             </a:fld>
             <a:endParaRPr lang="en-US"/>
           </a:p>
@@ -2136,7 +2147,6 @@
           <a:p>
             <a:fld id="{7E062F8C-2770-8945-85DB-C80B807277D6}" type="datetimeFigureOut">
               <a:rPr lang="en-US" smtClean="0"/>
-              <a:t>6/6/2024</a:t>
             </a:fld>
             <a:endParaRPr lang="en-US"/>
           </a:p>
@@ -2178,7 +2188,6 @@
           <a:p>
             <a:fld id="{1F884E2D-4FFC-5E49-8FE2-7CF58D472743}" type="slidenum">
               <a:rPr lang="en-US" smtClean="0"/>
-              <a:t>‹#›</a:t>
             </a:fld>
             <a:endParaRPr lang="en-US"/>
           </a:p>
@@ -2294,6 +2303,7 @@
               <a:rPr lang="en-US"/>
               <a:t>Click to edit Master text styles</a:t>
             </a:r>
+            <a:endParaRPr lang="en-US"/>
           </a:p>
           <a:p>
             <a:pPr lvl="1"/>
@@ -2301,6 +2311,7 @@
               <a:rPr lang="en-US"/>
               <a:t>Second level</a:t>
             </a:r>
+            <a:endParaRPr lang="en-US"/>
           </a:p>
           <a:p>
             <a:pPr lvl="2"/>
@@ -2308,6 +2319,7 @@
               <a:rPr lang="en-US"/>
               <a:t>Third level</a:t>
             </a:r>
+            <a:endParaRPr lang="en-US"/>
           </a:p>
           <a:p>
             <a:pPr lvl="3"/>
@@ -2315,6 +2327,7 @@
               <a:rPr lang="en-US"/>
               <a:t>Fourth level</a:t>
             </a:r>
+            <a:endParaRPr lang="en-US"/>
           </a:p>
           <a:p>
             <a:pPr lvl="4"/>
@@ -2388,6 +2401,7 @@
               <a:rPr lang="en-US"/>
               <a:t>Click to edit Master text styles</a:t>
             </a:r>
+            <a:endParaRPr lang="en-US"/>
           </a:p>
         </p:txBody>
       </p:sp>
@@ -2408,7 +2422,6 @@
           <a:p>
             <a:fld id="{7E062F8C-2770-8945-85DB-C80B807277D6}" type="datetimeFigureOut">
               <a:rPr lang="en-US" smtClean="0"/>
-              <a:t>6/6/2024</a:t>
             </a:fld>
             <a:endParaRPr lang="en-US"/>
           </a:p>
@@ -2450,7 +2463,6 @@
           <a:p>
             <a:fld id="{1F884E2D-4FFC-5E49-8FE2-7CF58D472743}" type="slidenum">
               <a:rPr lang="en-US" smtClean="0"/>
-              <a:t>‹#›</a:t>
             </a:fld>
             <a:endParaRPr lang="en-US"/>
           </a:p>
@@ -2520,7 +2532,7 @@
             <a:spLocks noGrp="1" noChangeAspect="1"/>
           </p:cNvSpPr>
           <p:nvPr>
-            <p:ph type="pic" idx="1"/>
+            <p:ph type="pic" idx="1" hasCustomPrompt="1"/>
           </p:nvPr>
         </p:nvSpPr>
         <p:spPr>
@@ -2640,6 +2652,7 @@
               <a:rPr lang="en-US"/>
               <a:t>Click to edit Master text styles</a:t>
             </a:r>
+            <a:endParaRPr lang="en-US"/>
           </a:p>
         </p:txBody>
       </p:sp>
@@ -2660,7 +2673,6 @@
           <a:p>
             <a:fld id="{7E062F8C-2770-8945-85DB-C80B807277D6}" type="datetimeFigureOut">
               <a:rPr lang="en-US" smtClean="0"/>
-              <a:t>6/6/2024</a:t>
             </a:fld>
             <a:endParaRPr lang="en-US"/>
           </a:p>
@@ -2702,7 +2714,6 @@
           <a:p>
             <a:fld id="{1F884E2D-4FFC-5E49-8FE2-7CF58D472743}" type="slidenum">
               <a:rPr lang="en-US" smtClean="0"/>
-              <a:t>‹#›</a:t>
             </a:fld>
             <a:endParaRPr lang="en-US"/>
           </a:p>
@@ -2801,6 +2812,7 @@
               <a:rPr lang="en-US"/>
               <a:t>Click to edit Master text styles</a:t>
             </a:r>
+            <a:endParaRPr lang="en-US"/>
           </a:p>
           <a:p>
             <a:pPr lvl="1"/>
@@ -2808,6 +2820,7 @@
               <a:rPr lang="en-US"/>
               <a:t>Second level</a:t>
             </a:r>
+            <a:endParaRPr lang="en-US"/>
           </a:p>
           <a:p>
             <a:pPr lvl="2"/>
@@ -2815,6 +2828,7 @@
               <a:rPr lang="en-US"/>
               <a:t>Third level</a:t>
             </a:r>
+            <a:endParaRPr lang="en-US"/>
           </a:p>
           <a:p>
             <a:pPr lvl="3"/>
@@ -2822,6 +2836,7 @@
               <a:rPr lang="en-US"/>
               <a:t>Fourth level</a:t>
             </a:r>
+            <a:endParaRPr lang="en-US"/>
           </a:p>
           <a:p>
             <a:pPr lvl="4"/>
@@ -2868,7 +2883,6 @@
           <a:p>
             <a:fld id="{7E062F8C-2770-8945-85DB-C80B807277D6}" type="datetimeFigureOut">
               <a:rPr lang="en-US" smtClean="0"/>
-              <a:t>6/6/2024</a:t>
             </a:fld>
             <a:endParaRPr lang="en-US"/>
           </a:p>
@@ -2946,32 +2960,26 @@
           <a:p>
             <a:fld id="{1F884E2D-4FFC-5E49-8FE2-7CF58D472743}" type="slidenum">
               <a:rPr lang="en-US" smtClean="0"/>
-              <a:t>‹#›</a:t>
             </a:fld>
             <a:endParaRPr lang="en-US"/>
           </a:p>
         </p:txBody>
       </p:sp>
     </p:spTree>
-    <p:extLst>
-      <p:ext uri="{BB962C8B-B14F-4D97-AF65-F5344CB8AC3E}">
-        <p14:creationId xmlns:p14="http://schemas.microsoft.com/office/powerpoint/2010/main" val="1092104945"/>
-      </p:ext>
-    </p:extLst>
   </p:cSld>
   <p:clrMap bg1="lt1" tx1="dk1" bg2="lt2" tx2="dk2" accent1="accent1" accent2="accent2" accent3="accent3" accent4="accent4" accent5="accent5" accent6="accent6" hlink="hlink" folHlink="folHlink"/>
   <p:sldLayoutIdLst>
-    <p:sldLayoutId id="2147483661" r:id="rId1"/>
-    <p:sldLayoutId id="2147483662" r:id="rId2"/>
-    <p:sldLayoutId id="2147483663" r:id="rId3"/>
-    <p:sldLayoutId id="2147483664" r:id="rId4"/>
-    <p:sldLayoutId id="2147483665" r:id="rId5"/>
-    <p:sldLayoutId id="2147483666" r:id="rId6"/>
-    <p:sldLayoutId id="2147483667" r:id="rId7"/>
-    <p:sldLayoutId id="2147483668" r:id="rId8"/>
-    <p:sldLayoutId id="2147483669" r:id="rId9"/>
-    <p:sldLayoutId id="2147483670" r:id="rId10"/>
-    <p:sldLayoutId id="2147483671" r:id="rId11"/>
+    <p:sldLayoutId id="2147483649" r:id="rId1"/>
+    <p:sldLayoutId id="2147483650" r:id="rId2"/>
+    <p:sldLayoutId id="2147483651" r:id="rId3"/>
+    <p:sldLayoutId id="2147483652" r:id="rId4"/>
+    <p:sldLayoutId id="2147483653" r:id="rId5"/>
+    <p:sldLayoutId id="2147483654" r:id="rId6"/>
+    <p:sldLayoutId id="2147483655" r:id="rId7"/>
+    <p:sldLayoutId id="2147483656" r:id="rId8"/>
+    <p:sldLayoutId id="2147483657" r:id="rId9"/>
+    <p:sldLayoutId id="2147483658" r:id="rId10"/>
+    <p:sldLayoutId id="2147483659" r:id="rId11"/>
   </p:sldLayoutIdLst>
   <p:txStyles>
     <p:titleStyle>
@@ -3321,11 +3329,6 @@
         </p:txBody>
       </p:sp>
     </p:spTree>
-    <p:extLst>
-      <p:ext uri="{BB962C8B-B14F-4D97-AF65-F5344CB8AC3E}">
-        <p14:creationId xmlns:p14="http://schemas.microsoft.com/office/powerpoint/2010/main" val="1520437914"/>
-      </p:ext>
-    </p:extLst>
   </p:cSld>
   <p:clrMapOvr>
     <a:masterClrMapping/>
@@ -3370,6 +3373,7 @@
               <a:rPr lang="zh-CN" altLang="en-US" dirty="0"/>
               <a:t>实验安排</a:t>
             </a:r>
+            <a:endParaRPr lang="zh-CN" altLang="en-US" dirty="0"/>
           </a:p>
         </p:txBody>
       </p:sp>
@@ -3467,11 +3471,6 @@
         </p:txBody>
       </p:sp>
     </p:spTree>
-    <p:extLst>
-      <p:ext uri="{BB962C8B-B14F-4D97-AF65-F5344CB8AC3E}">
-        <p14:creationId xmlns:p14="http://schemas.microsoft.com/office/powerpoint/2010/main" val="465079706"/>
-      </p:ext>
-    </p:extLst>
   </p:cSld>
   <p:clrMapOvr>
     <a:masterClrMapping/>
@@ -3606,15 +3605,11 @@
               <a:rPr lang="zh-CN" altLang="en-US" dirty="0"/>
               <a:t>次）；</a:t>
             </a:r>
+            <a:endParaRPr lang="zh-CN" altLang="en-US" dirty="0"/>
           </a:p>
         </p:txBody>
       </p:sp>
     </p:spTree>
-    <p:extLst>
-      <p:ext uri="{BB962C8B-B14F-4D97-AF65-F5344CB8AC3E}">
-        <p14:creationId xmlns:p14="http://schemas.microsoft.com/office/powerpoint/2010/main" val="997857951"/>
-      </p:ext>
-    </p:extLst>
   </p:cSld>
   <p:clrMapOvr>
     <a:masterClrMapping/>
@@ -3731,11 +3726,15 @@
             </a:r>
             <a:r>
               <a:rPr lang="en-US" altLang="zh-CN" dirty="0"/>
-              <a:t>01-U2021123456-</a:t>
+              <a:t>04-U20211212131-</a:t>
             </a:r>
             <a:r>
               <a:rPr lang="zh-CN" altLang="en-US" dirty="0"/>
-              <a:t>张三）</a:t>
+              <a:t>邬雪菲</a:t>
+            </a:r>
+            <a:r>
+              <a:rPr lang="zh-CN" altLang="en-US" dirty="0"/>
+              <a:t>）</a:t>
             </a:r>
             <a:endParaRPr lang="en-US" altLang="zh-CN" dirty="0"/>
           </a:p>
@@ -3789,6 +3788,7 @@
               <a:rPr lang="en-US" altLang="zh-CN" dirty="0"/>
               <a:t>lab3</a:t>
             </a:r>
+            <a:endParaRPr lang="en-US" altLang="zh-CN" dirty="0"/>
           </a:p>
           <a:p>
             <a:pPr lvl="1">
@@ -3937,11 +3937,6 @@
         </p:txBody>
       </p:sp>
     </p:spTree>
-    <p:extLst>
-      <p:ext uri="{BB962C8B-B14F-4D97-AF65-F5344CB8AC3E}">
-        <p14:creationId xmlns:p14="http://schemas.microsoft.com/office/powerpoint/2010/main" val="2376985566"/>
-      </p:ext>
-    </p:extLst>
   </p:cSld>
   <p:clrMapOvr>
     <a:masterClrMapping/>
@@ -4020,6 +4015,7 @@
               <a:rPr lang="zh-CN" altLang="en-US" dirty="0"/>
               <a:t>实验报告要求</a:t>
             </a:r>
+            <a:endParaRPr lang="zh-CN" altLang="en-US" dirty="0"/>
           </a:p>
           <a:p>
             <a:pPr lvl="1">
@@ -4031,6 +4027,7 @@
               <a:rPr lang="zh-CN" altLang="en-US" dirty="0"/>
               <a:t>按照实验报告模板</a:t>
             </a:r>
+            <a:endParaRPr lang="zh-CN" altLang="en-US" dirty="0"/>
           </a:p>
           <a:p>
             <a:pPr lvl="1">
@@ -4047,11 +4044,6 @@
         </p:txBody>
       </p:sp>
     </p:spTree>
-    <p:extLst>
-      <p:ext uri="{BB962C8B-B14F-4D97-AF65-F5344CB8AC3E}">
-        <p14:creationId xmlns:p14="http://schemas.microsoft.com/office/powerpoint/2010/main" val="3282126575"/>
-      </p:ext>
-    </p:extLst>
   </p:cSld>
   <p:clrMapOvr>
     <a:masterClrMapping/>
@@ -4096,6 +4088,7 @@
               <a:rPr lang="zh-CN" altLang="en-US" dirty="0"/>
               <a:t>实验安排</a:t>
             </a:r>
+            <a:endParaRPr lang="zh-CN" altLang="en-US" dirty="0"/>
           </a:p>
         </p:txBody>
       </p:sp>
@@ -4225,16 +4218,17 @@
         </p:txBody>
       </p:sp>
     </p:spTree>
-    <p:extLst>
-      <p:ext uri="{BB962C8B-B14F-4D97-AF65-F5344CB8AC3E}">
-        <p14:creationId xmlns:p14="http://schemas.microsoft.com/office/powerpoint/2010/main" val="750423282"/>
-      </p:ext>
-    </p:extLst>
   </p:cSld>
   <p:clrMapOvr>
     <a:masterClrMapping/>
   </p:clrMapOvr>
 </p:sld>
+</file>
+
+<file path=ppt/tags/tag1.xml><?xml version="1.0" encoding="utf-8"?>
+<p:tagLst xmlns:p="http://schemas.openxmlformats.org/presentationml/2006/main">
+  <p:tag name="commondata" val="eyJoZGlkIjoiZDViZWJjMzViZjUzOTdjZWVjOWU2MWI0ZGM4NjIwZjcifQ=="/>
+</p:tagLst>
 </file>
 
 <file path=ppt/theme/theme1.xml><?xml version="1.0" encoding="utf-8"?>
@@ -4280,7 +4274,7 @@
     </a:clrScheme>
     <a:fontScheme name="Office Theme">
       <a:majorFont>
-        <a:latin typeface="Calibri Light" panose="020F0302020204030204"/>
+        <a:latin typeface="Calibri Light"/>
         <a:ea typeface=""/>
         <a:cs typeface=""/>
         <a:font script="Jpan" typeface="游ゴシック Light"/>
@@ -4315,7 +4309,7 @@
         <a:font script="Geor" typeface="Sylfaen"/>
       </a:majorFont>
       <a:minorFont>
-        <a:latin typeface="Calibri" panose="020F0502020204030204"/>
+        <a:latin typeface="Calibri"/>
         <a:ea typeface=""/>
         <a:cs typeface=""/>
         <a:font script="Jpan" typeface="游ゴシック"/>
@@ -4488,8 +4482,6 @@
       </a:bgFillStyleLst>
     </a:fmtScheme>
   </a:themeElements>
-  <a:objectDefaults/>
-  <a:extraClrSchemeLst/>
   <a:extLst>
     <a:ext uri="{05A4C25C-085E-4340-85A3-A5531E510DB2}">
       <thm15:themeFamily xmlns:thm15="http://schemas.microsoft.com/office/thememl/2012/main" name="Office Theme" id="{62F939B6-93AF-4DB8-9C6B-D6C7DFDC589F}" vid="{4A3C46E8-61CC-4603-A589-7422A47A8E4A}"/>
@@ -4541,7 +4533,7 @@
     </a:clrScheme>
     <a:fontScheme name="Office">
       <a:majorFont>
-        <a:latin typeface="Calibri Light" panose="020F0302020204030204"/>
+        <a:latin typeface="Calibri Light"/>
         <a:ea typeface=""/>
         <a:cs typeface=""/>
         <a:font script="Jpan" typeface="Yu Gothic Light"/>
@@ -4576,7 +4568,7 @@
         <a:font script="Geor" typeface="Sylfaen"/>
       </a:majorFont>
       <a:minorFont>
-        <a:latin typeface="Calibri" panose="020F0502020204030204"/>
+        <a:latin typeface="Calibri"/>
         <a:ea typeface=""/>
         <a:cs typeface=""/>
         <a:font script="Jpan" typeface="Yu Gothic"/>
@@ -4749,8 +4741,6 @@
       </a:bgFillStyleLst>
     </a:fmtScheme>
   </a:themeElements>
-  <a:objectDefaults/>
-  <a:extraClrSchemeLst/>
   <a:extLst>
     <a:ext uri="{05A4C25C-085E-4340-85A3-A5531E510DB2}">
       <thm15:themeFamily xmlns:thm15="http://schemas.microsoft.com/office/thememl/2012/main" name="Office Theme" id="{62F939B6-93AF-4DB8-9C6B-D6C7DFDC589F}" vid="{4A3C46E8-61CC-4603-A589-7422A47A8E4A}"/>
